--- a/week 02/web crawler II.pptx
+++ b/week 02/web crawler II.pptx
@@ -924,7 +924,7 @@
           <a:p>
             <a:fld id="{EF1EE257-0304-4B93-AE27-1CF122959E79}" type="datetimeFigureOut">
               <a:rPr lang="zh-CN" altLang="en-US" smtClean="0"/>
-              <a:t>2017/10/23</a:t>
+              <a:t>2017/10/25</a:t>
             </a:fld>
             <a:endParaRPr lang="zh-CN" altLang="en-US"/>
           </a:p>
@@ -1175,7 +1175,7 @@
           <a:p>
             <a:fld id="{EF1EE257-0304-4B93-AE27-1CF122959E79}" type="datetimeFigureOut">
               <a:rPr lang="zh-CN" altLang="en-US" smtClean="0"/>
-              <a:t>2017/10/23</a:t>
+              <a:t>2017/10/25</a:t>
             </a:fld>
             <a:endParaRPr lang="zh-CN" altLang="en-US"/>
           </a:p>
@@ -1489,7 +1489,7 @@
           <a:p>
             <a:fld id="{EF1EE257-0304-4B93-AE27-1CF122959E79}" type="datetimeFigureOut">
               <a:rPr lang="zh-CN" altLang="en-US" smtClean="0"/>
-              <a:t>2017/10/23</a:t>
+              <a:t>2017/10/25</a:t>
             </a:fld>
             <a:endParaRPr lang="zh-CN" altLang="en-US"/>
           </a:p>
@@ -1822,7 +1822,7 @@
           <a:p>
             <a:fld id="{EF1EE257-0304-4B93-AE27-1CF122959E79}" type="datetimeFigureOut">
               <a:rPr lang="zh-CN" altLang="en-US" smtClean="0"/>
-              <a:t>2017/10/23</a:t>
+              <a:t>2017/10/25</a:t>
             </a:fld>
             <a:endParaRPr lang="zh-CN" altLang="en-US"/>
           </a:p>
@@ -2136,7 +2136,7 @@
           <a:p>
             <a:fld id="{EF1EE257-0304-4B93-AE27-1CF122959E79}" type="datetimeFigureOut">
               <a:rPr lang="zh-CN" altLang="en-US" smtClean="0"/>
-              <a:t>2017/10/23</a:t>
+              <a:t>2017/10/25</a:t>
             </a:fld>
             <a:endParaRPr lang="zh-CN" altLang="en-US"/>
           </a:p>
@@ -2529,7 +2529,7 @@
           <a:p>
             <a:fld id="{EF1EE257-0304-4B93-AE27-1CF122959E79}" type="datetimeFigureOut">
               <a:rPr lang="zh-CN" altLang="en-US" smtClean="0"/>
-              <a:t>2017/10/23</a:t>
+              <a:t>2017/10/25</a:t>
             </a:fld>
             <a:endParaRPr lang="zh-CN" altLang="en-US"/>
           </a:p>
@@ -2699,7 +2699,7 @@
           <a:p>
             <a:fld id="{EF1EE257-0304-4B93-AE27-1CF122959E79}" type="datetimeFigureOut">
               <a:rPr lang="zh-CN" altLang="en-US" smtClean="0"/>
-              <a:t>2017/10/23</a:t>
+              <a:t>2017/10/25</a:t>
             </a:fld>
             <a:endParaRPr lang="zh-CN" altLang="en-US"/>
           </a:p>
@@ -2879,7 +2879,7 @@
           <a:p>
             <a:fld id="{EF1EE257-0304-4B93-AE27-1CF122959E79}" type="datetimeFigureOut">
               <a:rPr lang="zh-CN" altLang="en-US" smtClean="0"/>
-              <a:t>2017/10/23</a:t>
+              <a:t>2017/10/25</a:t>
             </a:fld>
             <a:endParaRPr lang="zh-CN" altLang="en-US"/>
           </a:p>
@@ -3055,7 +3055,7 @@
           <a:p>
             <a:fld id="{EF1EE257-0304-4B93-AE27-1CF122959E79}" type="datetimeFigureOut">
               <a:rPr lang="zh-CN" altLang="en-US" smtClean="0"/>
-              <a:t>2017/10/23</a:t>
+              <a:t>2017/10/25</a:t>
             </a:fld>
             <a:endParaRPr lang="zh-CN" altLang="en-US"/>
           </a:p>
@@ -3302,7 +3302,7 @@
           <a:p>
             <a:fld id="{EF1EE257-0304-4B93-AE27-1CF122959E79}" type="datetimeFigureOut">
               <a:rPr lang="zh-CN" altLang="en-US" smtClean="0"/>
-              <a:t>2017/10/23</a:t>
+              <a:t>2017/10/25</a:t>
             </a:fld>
             <a:endParaRPr lang="zh-CN" altLang="en-US"/>
           </a:p>
@@ -3599,7 +3599,7 @@
           <a:p>
             <a:fld id="{EF1EE257-0304-4B93-AE27-1CF122959E79}" type="datetimeFigureOut">
               <a:rPr lang="zh-CN" altLang="en-US" smtClean="0"/>
-              <a:t>2017/10/23</a:t>
+              <a:t>2017/10/25</a:t>
             </a:fld>
             <a:endParaRPr lang="zh-CN" altLang="en-US"/>
           </a:p>
@@ -3978,7 +3978,7 @@
           <a:p>
             <a:fld id="{EF1EE257-0304-4B93-AE27-1CF122959E79}" type="datetimeFigureOut">
               <a:rPr lang="zh-CN" altLang="en-US" smtClean="0"/>
-              <a:t>2017/10/23</a:t>
+              <a:t>2017/10/25</a:t>
             </a:fld>
             <a:endParaRPr lang="zh-CN" altLang="en-US"/>
           </a:p>
@@ -4101,7 +4101,7 @@
           <a:p>
             <a:fld id="{EF1EE257-0304-4B93-AE27-1CF122959E79}" type="datetimeFigureOut">
               <a:rPr lang="zh-CN" altLang="en-US" smtClean="0"/>
-              <a:t>2017/10/23</a:t>
+              <a:t>2017/10/25</a:t>
             </a:fld>
             <a:endParaRPr lang="zh-CN" altLang="en-US"/>
           </a:p>
@@ -4196,7 +4196,7 @@
           <a:p>
             <a:fld id="{EF1EE257-0304-4B93-AE27-1CF122959E79}" type="datetimeFigureOut">
               <a:rPr lang="zh-CN" altLang="en-US" smtClean="0"/>
-              <a:t>2017/10/23</a:t>
+              <a:t>2017/10/25</a:t>
             </a:fld>
             <a:endParaRPr lang="zh-CN" altLang="en-US"/>
           </a:p>
@@ -4451,7 +4451,7 @@
           <a:p>
             <a:fld id="{EF1EE257-0304-4B93-AE27-1CF122959E79}" type="datetimeFigureOut">
               <a:rPr lang="zh-CN" altLang="en-US" smtClean="0"/>
-              <a:t>2017/10/23</a:t>
+              <a:t>2017/10/25</a:t>
             </a:fld>
             <a:endParaRPr lang="zh-CN" altLang="en-US"/>
           </a:p>
@@ -4714,7 +4714,7 @@
           <a:p>
             <a:fld id="{EF1EE257-0304-4B93-AE27-1CF122959E79}" type="datetimeFigureOut">
               <a:rPr lang="zh-CN" altLang="en-US" smtClean="0"/>
-              <a:t>2017/10/23</a:t>
+              <a:t>2017/10/25</a:t>
             </a:fld>
             <a:endParaRPr lang="zh-CN" altLang="en-US"/>
           </a:p>
@@ -5529,7 +5529,7 @@
           <a:p>
             <a:fld id="{EF1EE257-0304-4B93-AE27-1CF122959E79}" type="datetimeFigureOut">
               <a:rPr lang="zh-CN" altLang="en-US" smtClean="0"/>
-              <a:t>2017/10/23</a:t>
+              <a:t>2017/10/25</a:t>
             </a:fld>
             <a:endParaRPr lang="zh-CN" altLang="en-US"/>
           </a:p>
@@ -6070,11 +6070,7 @@
           <a:p>
             <a:r>
               <a:rPr lang="zh-CN" altLang="en-US" dirty="0" smtClean="0"/>
-              <a:t>网络爬虫基础</a:t>
-            </a:r>
-            <a:r>
-              <a:rPr lang="zh-CN" altLang="en-US" dirty="0" smtClean="0"/>
-              <a:t>（</a:t>
+              <a:t>网络爬虫基础（</a:t>
             </a:r>
             <a:r>
               <a:rPr lang="en-US" altLang="zh-CN" dirty="0" smtClean="0"/>
@@ -8947,10 +8943,15 @@
             <p:ph idx="1"/>
           </p:nvPr>
         </p:nvSpPr>
-        <p:spPr/>
+        <p:spPr>
+          <a:xfrm>
+            <a:off x="609599" y="1527048"/>
+            <a:ext cx="6347714" cy="4761203"/>
+          </a:xfrm>
+        </p:spPr>
         <p:txBody>
           <a:bodyPr>
-            <a:normAutofit fontScale="62500" lnSpcReduction="20000"/>
+            <a:normAutofit fontScale="92500" lnSpcReduction="20000"/>
           </a:bodyPr>
           <a:lstStyle/>
           <a:p>
